--- a/presentation/OME.pptx
+++ b/presentation/OME.pptx
@@ -4,6 +4,9 @@
   <p:sldMasterIdLst>
     <p:sldMasterId id="2147483648" r:id="rId1"/>
   </p:sldMasterIdLst>
+  <p:notesMasterIdLst>
+    <p:notesMasterId r:id="rId21"/>
+  </p:notesMasterIdLst>
   <p:sldIdLst>
     <p:sldId id="256" r:id="rId2"/>
     <p:sldId id="257" r:id="rId3"/>
@@ -17,6 +20,13 @@
     <p:sldId id="263" r:id="rId11"/>
     <p:sldId id="267" r:id="rId12"/>
     <p:sldId id="264" r:id="rId13"/>
+    <p:sldId id="268" r:id="rId14"/>
+    <p:sldId id="272" r:id="rId15"/>
+    <p:sldId id="274" r:id="rId16"/>
+    <p:sldId id="273" r:id="rId17"/>
+    <p:sldId id="269" r:id="rId18"/>
+    <p:sldId id="270" r:id="rId19"/>
+    <p:sldId id="271" r:id="rId20"/>
   </p:sldIdLst>
   <p:sldSz cx="12192000" cy="6858000"/>
   <p:notesSz cx="6858000" cy="9144000"/>
@@ -121,6 +131,461 @@
     </p:ext>
   </p:extLst>
 </p:presentation>
+</file>
+
+<file path=ppt/notesMasters/notesMaster1.xml><?xml version="1.0" encoding="utf-8"?>
+<p:notesMaster xmlns:a="http://schemas.openxmlformats.org/drawingml/2006/main" xmlns:r="http://schemas.openxmlformats.org/officeDocument/2006/relationships" xmlns:p="http://schemas.openxmlformats.org/presentationml/2006/main">
+  <p:cSld>
+    <p:bg>
+      <p:bgRef idx="1001">
+        <a:schemeClr val="bg1"/>
+      </p:bgRef>
+    </p:bg>
+    <p:spTree>
+      <p:nvGrpSpPr>
+        <p:cNvPr id="1" name=""/>
+        <p:cNvGrpSpPr/>
+        <p:nvPr/>
+      </p:nvGrpSpPr>
+      <p:grpSpPr>
+        <a:xfrm>
+          <a:off x="0" y="0"/>
+          <a:ext cx="0" cy="0"/>
+          <a:chOff x="0" y="0"/>
+          <a:chExt cx="0" cy="0"/>
+        </a:xfrm>
+      </p:grpSpPr>
+      <p:sp>
+        <p:nvSpPr>
+          <p:cNvPr id="2" name="Header Placeholder 1"/>
+          <p:cNvSpPr>
+            <a:spLocks noGrp="1"/>
+          </p:cNvSpPr>
+          <p:nvPr>
+            <p:ph type="hdr" sz="quarter"/>
+          </p:nvPr>
+        </p:nvSpPr>
+        <p:spPr>
+          <a:xfrm>
+            <a:off x="0" y="0"/>
+            <a:ext cx="2971800" cy="458788"/>
+          </a:xfrm>
+          <a:prstGeom prst="rect">
+            <a:avLst/>
+          </a:prstGeom>
+        </p:spPr>
+        <p:txBody>
+          <a:bodyPr vert="horz" lIns="91440" tIns="45720" rIns="91440" bIns="45720" rtlCol="0"/>
+          <a:lstStyle>
+            <a:lvl1pPr algn="l">
+              <a:defRPr sz="1200"/>
+            </a:lvl1pPr>
+          </a:lstStyle>
+          <a:p>
+            <a:endParaRPr lang="en-CH"/>
+          </a:p>
+        </p:txBody>
+      </p:sp>
+      <p:sp>
+        <p:nvSpPr>
+          <p:cNvPr id="3" name="Date Placeholder 2"/>
+          <p:cNvSpPr>
+            <a:spLocks noGrp="1"/>
+          </p:cNvSpPr>
+          <p:nvPr>
+            <p:ph type="dt" idx="1"/>
+          </p:nvPr>
+        </p:nvSpPr>
+        <p:spPr>
+          <a:xfrm>
+            <a:off x="3884613" y="0"/>
+            <a:ext cx="2971800" cy="458788"/>
+          </a:xfrm>
+          <a:prstGeom prst="rect">
+            <a:avLst/>
+          </a:prstGeom>
+        </p:spPr>
+        <p:txBody>
+          <a:bodyPr vert="horz" lIns="91440" tIns="45720" rIns="91440" bIns="45720" rtlCol="0"/>
+          <a:lstStyle>
+            <a:lvl1pPr algn="r">
+              <a:defRPr sz="1200"/>
+            </a:lvl1pPr>
+          </a:lstStyle>
+          <a:p>
+            <a:fld id="{5807F85D-44C2-2048-9651-BA11D5658EDA}" type="datetimeFigureOut">
+              <a:rPr lang="en-CH" smtClean="0"/>
+              <a:t>24.08.20</a:t>
+            </a:fld>
+            <a:endParaRPr lang="en-CH"/>
+          </a:p>
+        </p:txBody>
+      </p:sp>
+      <p:sp>
+        <p:nvSpPr>
+          <p:cNvPr id="4" name="Slide Image Placeholder 3"/>
+          <p:cNvSpPr>
+            <a:spLocks noGrp="1" noRot="1" noChangeAspect="1"/>
+          </p:cNvSpPr>
+          <p:nvPr>
+            <p:ph type="sldImg" idx="2"/>
+          </p:nvPr>
+        </p:nvSpPr>
+        <p:spPr>
+          <a:xfrm>
+            <a:off x="685800" y="1143000"/>
+            <a:ext cx="5486400" cy="3086100"/>
+          </a:xfrm>
+          <a:prstGeom prst="rect">
+            <a:avLst/>
+          </a:prstGeom>
+          <a:noFill/>
+          <a:ln w="12700">
+            <a:solidFill>
+              <a:prstClr val="black"/>
+            </a:solidFill>
+          </a:ln>
+        </p:spPr>
+        <p:txBody>
+          <a:bodyPr vert="horz" lIns="91440" tIns="45720" rIns="91440" bIns="45720" rtlCol="0" anchor="ctr"/>
+          <a:lstStyle/>
+          <a:p>
+            <a:endParaRPr lang="en-CH"/>
+          </a:p>
+        </p:txBody>
+      </p:sp>
+      <p:sp>
+        <p:nvSpPr>
+          <p:cNvPr id="5" name="Notes Placeholder 4"/>
+          <p:cNvSpPr>
+            <a:spLocks noGrp="1"/>
+          </p:cNvSpPr>
+          <p:nvPr>
+            <p:ph type="body" sz="quarter" idx="3"/>
+          </p:nvPr>
+        </p:nvSpPr>
+        <p:spPr>
+          <a:xfrm>
+            <a:off x="685800" y="4400550"/>
+            <a:ext cx="5486400" cy="3600450"/>
+          </a:xfrm>
+          <a:prstGeom prst="rect">
+            <a:avLst/>
+          </a:prstGeom>
+        </p:spPr>
+        <p:txBody>
+          <a:bodyPr vert="horz" lIns="91440" tIns="45720" rIns="91440" bIns="45720" rtlCol="0"/>
+          <a:lstStyle/>
+          <a:p>
+            <a:pPr lvl="0"/>
+            <a:r>
+              <a:rPr lang="en-GB"/>
+              <a:t>Click to edit Master text styles</a:t>
+            </a:r>
+          </a:p>
+          <a:p>
+            <a:pPr lvl="1"/>
+            <a:r>
+              <a:rPr lang="en-GB"/>
+              <a:t>Second level</a:t>
+            </a:r>
+          </a:p>
+          <a:p>
+            <a:pPr lvl="2"/>
+            <a:r>
+              <a:rPr lang="en-GB"/>
+              <a:t>Third level</a:t>
+            </a:r>
+          </a:p>
+          <a:p>
+            <a:pPr lvl="3"/>
+            <a:r>
+              <a:rPr lang="en-GB"/>
+              <a:t>Fourth level</a:t>
+            </a:r>
+          </a:p>
+          <a:p>
+            <a:pPr lvl="4"/>
+            <a:r>
+              <a:rPr lang="en-GB"/>
+              <a:t>Fifth level</a:t>
+            </a:r>
+            <a:endParaRPr lang="en-CH"/>
+          </a:p>
+        </p:txBody>
+      </p:sp>
+      <p:sp>
+        <p:nvSpPr>
+          <p:cNvPr id="6" name="Footer Placeholder 5"/>
+          <p:cNvSpPr>
+            <a:spLocks noGrp="1"/>
+          </p:cNvSpPr>
+          <p:nvPr>
+            <p:ph type="ftr" sz="quarter" idx="4"/>
+          </p:nvPr>
+        </p:nvSpPr>
+        <p:spPr>
+          <a:xfrm>
+            <a:off x="0" y="8685213"/>
+            <a:ext cx="2971800" cy="458787"/>
+          </a:xfrm>
+          <a:prstGeom prst="rect">
+            <a:avLst/>
+          </a:prstGeom>
+        </p:spPr>
+        <p:txBody>
+          <a:bodyPr vert="horz" lIns="91440" tIns="45720" rIns="91440" bIns="45720" rtlCol="0" anchor="b"/>
+          <a:lstStyle>
+            <a:lvl1pPr algn="l">
+              <a:defRPr sz="1200"/>
+            </a:lvl1pPr>
+          </a:lstStyle>
+          <a:p>
+            <a:endParaRPr lang="en-CH"/>
+          </a:p>
+        </p:txBody>
+      </p:sp>
+      <p:sp>
+        <p:nvSpPr>
+          <p:cNvPr id="7" name="Slide Number Placeholder 6"/>
+          <p:cNvSpPr>
+            <a:spLocks noGrp="1"/>
+          </p:cNvSpPr>
+          <p:nvPr>
+            <p:ph type="sldNum" sz="quarter" idx="5"/>
+          </p:nvPr>
+        </p:nvSpPr>
+        <p:spPr>
+          <a:xfrm>
+            <a:off x="3884613" y="8685213"/>
+            <a:ext cx="2971800" cy="458787"/>
+          </a:xfrm>
+          <a:prstGeom prst="rect">
+            <a:avLst/>
+          </a:prstGeom>
+        </p:spPr>
+        <p:txBody>
+          <a:bodyPr vert="horz" lIns="91440" tIns="45720" rIns="91440" bIns="45720" rtlCol="0" anchor="b"/>
+          <a:lstStyle>
+            <a:lvl1pPr algn="r">
+              <a:defRPr sz="1200"/>
+            </a:lvl1pPr>
+          </a:lstStyle>
+          <a:p>
+            <a:fld id="{681DA174-9682-4C4B-93AD-88054E8C896A}" type="slidenum">
+              <a:rPr lang="en-CH" smtClean="0"/>
+              <a:t>‹#›</a:t>
+            </a:fld>
+            <a:endParaRPr lang="en-CH"/>
+          </a:p>
+        </p:txBody>
+      </p:sp>
+    </p:spTree>
+    <p:extLst>
+      <p:ext uri="{BB962C8B-B14F-4D97-AF65-F5344CB8AC3E}">
+        <p14:creationId xmlns:p14="http://schemas.microsoft.com/office/powerpoint/2010/main" val="2911655300"/>
+      </p:ext>
+    </p:extLst>
+  </p:cSld>
+  <p:clrMap bg1="lt1" tx1="dk1" bg2="lt2" tx2="dk2" accent1="accent1" accent2="accent2" accent3="accent3" accent4="accent4" accent5="accent5" accent6="accent6" hlink="hlink" folHlink="folHlink"/>
+  <p:notesStyle>
+    <a:lvl1pPr marL="0" algn="l" defTabSz="914400" rtl="0" eaLnBrk="1" latinLnBrk="0" hangingPunct="1">
+      <a:defRPr sz="1200" kern="1200">
+        <a:solidFill>
+          <a:schemeClr val="tx1"/>
+        </a:solidFill>
+        <a:latin typeface="+mn-lt"/>
+        <a:ea typeface="+mn-ea"/>
+        <a:cs typeface="+mn-cs"/>
+      </a:defRPr>
+    </a:lvl1pPr>
+    <a:lvl2pPr marL="457200" algn="l" defTabSz="914400" rtl="0" eaLnBrk="1" latinLnBrk="0" hangingPunct="1">
+      <a:defRPr sz="1200" kern="1200">
+        <a:solidFill>
+          <a:schemeClr val="tx1"/>
+        </a:solidFill>
+        <a:latin typeface="+mn-lt"/>
+        <a:ea typeface="+mn-ea"/>
+        <a:cs typeface="+mn-cs"/>
+      </a:defRPr>
+    </a:lvl2pPr>
+    <a:lvl3pPr marL="914400" algn="l" defTabSz="914400" rtl="0" eaLnBrk="1" latinLnBrk="0" hangingPunct="1">
+      <a:defRPr sz="1200" kern="1200">
+        <a:solidFill>
+          <a:schemeClr val="tx1"/>
+        </a:solidFill>
+        <a:latin typeface="+mn-lt"/>
+        <a:ea typeface="+mn-ea"/>
+        <a:cs typeface="+mn-cs"/>
+      </a:defRPr>
+    </a:lvl3pPr>
+    <a:lvl4pPr marL="1371600" algn="l" defTabSz="914400" rtl="0" eaLnBrk="1" latinLnBrk="0" hangingPunct="1">
+      <a:defRPr sz="1200" kern="1200">
+        <a:solidFill>
+          <a:schemeClr val="tx1"/>
+        </a:solidFill>
+        <a:latin typeface="+mn-lt"/>
+        <a:ea typeface="+mn-ea"/>
+        <a:cs typeface="+mn-cs"/>
+      </a:defRPr>
+    </a:lvl4pPr>
+    <a:lvl5pPr marL="1828800" algn="l" defTabSz="914400" rtl="0" eaLnBrk="1" latinLnBrk="0" hangingPunct="1">
+      <a:defRPr sz="1200" kern="1200">
+        <a:solidFill>
+          <a:schemeClr val="tx1"/>
+        </a:solidFill>
+        <a:latin typeface="+mn-lt"/>
+        <a:ea typeface="+mn-ea"/>
+        <a:cs typeface="+mn-cs"/>
+      </a:defRPr>
+    </a:lvl5pPr>
+    <a:lvl6pPr marL="2286000" algn="l" defTabSz="914400" rtl="0" eaLnBrk="1" latinLnBrk="0" hangingPunct="1">
+      <a:defRPr sz="1200" kern="1200">
+        <a:solidFill>
+          <a:schemeClr val="tx1"/>
+        </a:solidFill>
+        <a:latin typeface="+mn-lt"/>
+        <a:ea typeface="+mn-ea"/>
+        <a:cs typeface="+mn-cs"/>
+      </a:defRPr>
+    </a:lvl6pPr>
+    <a:lvl7pPr marL="2743200" algn="l" defTabSz="914400" rtl="0" eaLnBrk="1" latinLnBrk="0" hangingPunct="1">
+      <a:defRPr sz="1200" kern="1200">
+        <a:solidFill>
+          <a:schemeClr val="tx1"/>
+        </a:solidFill>
+        <a:latin typeface="+mn-lt"/>
+        <a:ea typeface="+mn-ea"/>
+        <a:cs typeface="+mn-cs"/>
+      </a:defRPr>
+    </a:lvl7pPr>
+    <a:lvl8pPr marL="3200400" algn="l" defTabSz="914400" rtl="0" eaLnBrk="1" latinLnBrk="0" hangingPunct="1">
+      <a:defRPr sz="1200" kern="1200">
+        <a:solidFill>
+          <a:schemeClr val="tx1"/>
+        </a:solidFill>
+        <a:latin typeface="+mn-lt"/>
+        <a:ea typeface="+mn-ea"/>
+        <a:cs typeface="+mn-cs"/>
+      </a:defRPr>
+    </a:lvl8pPr>
+    <a:lvl9pPr marL="3657600" algn="l" defTabSz="914400" rtl="0" eaLnBrk="1" latinLnBrk="0" hangingPunct="1">
+      <a:defRPr sz="1200" kern="1200">
+        <a:solidFill>
+          <a:schemeClr val="tx1"/>
+        </a:solidFill>
+        <a:latin typeface="+mn-lt"/>
+        <a:ea typeface="+mn-ea"/>
+        <a:cs typeface="+mn-cs"/>
+      </a:defRPr>
+    </a:lvl9pPr>
+  </p:notesStyle>
+</p:notesMaster>
+</file>
+
+<file path=ppt/notesSlides/notesSlide1.xml><?xml version="1.0" encoding="utf-8"?>
+<p:notes xmlns:a="http://schemas.openxmlformats.org/drawingml/2006/main" xmlns:r="http://schemas.openxmlformats.org/officeDocument/2006/relationships" xmlns:p="http://schemas.openxmlformats.org/presentationml/2006/main">
+  <p:cSld>
+    <p:spTree>
+      <p:nvGrpSpPr>
+        <p:cNvPr id="1" name=""/>
+        <p:cNvGrpSpPr/>
+        <p:nvPr/>
+      </p:nvGrpSpPr>
+      <p:grpSpPr>
+        <a:xfrm>
+          <a:off x="0" y="0"/>
+          <a:ext cx="0" cy="0"/>
+          <a:chOff x="0" y="0"/>
+          <a:chExt cx="0" cy="0"/>
+        </a:xfrm>
+      </p:grpSpPr>
+      <p:sp>
+        <p:nvSpPr>
+          <p:cNvPr id="2" name="Slide Image Placeholder 1"/>
+          <p:cNvSpPr>
+            <a:spLocks noGrp="1" noRot="1" noChangeAspect="1"/>
+          </p:cNvSpPr>
+          <p:nvPr>
+            <p:ph type="sldImg"/>
+          </p:nvPr>
+        </p:nvSpPr>
+        <p:spPr/>
+      </p:sp>
+      <p:sp>
+        <p:nvSpPr>
+          <p:cNvPr id="3" name="Notes Placeholder 2"/>
+          <p:cNvSpPr>
+            <a:spLocks noGrp="1"/>
+          </p:cNvSpPr>
+          <p:nvPr>
+            <p:ph type="body" idx="1"/>
+          </p:nvPr>
+        </p:nvSpPr>
+        <p:spPr/>
+        <p:txBody>
+          <a:bodyPr/>
+          <a:lstStyle/>
+          <a:p>
+            <a:pPr>
+              <a:lnSpc>
+                <a:spcPct val="150000"/>
+              </a:lnSpc>
+            </a:pPr>
+            <a:endParaRPr lang="en-CH" dirty="0"/>
+          </a:p>
+          <a:p>
+            <a:pPr>
+              <a:lnSpc>
+                <a:spcPct val="150000"/>
+              </a:lnSpc>
+            </a:pPr>
+            <a:r>
+              <a:rPr lang="en-CH" b="1" dirty="0"/>
+              <a:t>Pavlov (P):</a:t>
+            </a:r>
+            <a:r>
+              <a:rPr lang="en-CH" dirty="0"/>
+              <a:t> Starts with cooperate. If adversary cooperates, repeat last action, even if it was a mistake. If adversary defects, perform opposite action, even if it was a mistake.</a:t>
+            </a:r>
+            <a:endParaRPr lang="en-CH" b="1" dirty="0"/>
+          </a:p>
+        </p:txBody>
+      </p:sp>
+      <p:sp>
+        <p:nvSpPr>
+          <p:cNvPr id="4" name="Slide Number Placeholder 3"/>
+          <p:cNvSpPr>
+            <a:spLocks noGrp="1"/>
+          </p:cNvSpPr>
+          <p:nvPr>
+            <p:ph type="sldNum" sz="quarter" idx="5"/>
+          </p:nvPr>
+        </p:nvSpPr>
+        <p:spPr/>
+        <p:txBody>
+          <a:bodyPr/>
+          <a:lstStyle/>
+          <a:p>
+            <a:fld id="{681DA174-9682-4C4B-93AD-88054E8C896A}" type="slidenum">
+              <a:rPr lang="en-CH" smtClean="0"/>
+              <a:t>5</a:t>
+            </a:fld>
+            <a:endParaRPr lang="en-CH"/>
+          </a:p>
+        </p:txBody>
+      </p:sp>
+    </p:spTree>
+    <p:extLst>
+      <p:ext uri="{BB962C8B-B14F-4D97-AF65-F5344CB8AC3E}">
+        <p14:creationId xmlns:p14="http://schemas.microsoft.com/office/powerpoint/2010/main" val="70915039"/>
+      </p:ext>
+    </p:extLst>
+  </p:cSld>
+  <p:clrMapOvr>
+    <a:masterClrMapping/>
+  </p:clrMapOvr>
+</p:notes>
 </file>
 
 <file path=ppt/slideLayouts/slideLayout1.xml><?xml version="1.0" encoding="utf-8"?>
@@ -3940,6 +4405,1179 @@
 </p:sld>
 </file>
 
+<file path=ppt/slides/slide13.xml><?xml version="1.0" encoding="utf-8"?>
+<p:sld xmlns:a="http://schemas.openxmlformats.org/drawingml/2006/main" xmlns:r="http://schemas.openxmlformats.org/officeDocument/2006/relationships" xmlns:p="http://schemas.openxmlformats.org/presentationml/2006/main">
+  <p:cSld>
+    <p:spTree>
+      <p:nvGrpSpPr>
+        <p:cNvPr id="1" name=""/>
+        <p:cNvGrpSpPr/>
+        <p:nvPr/>
+      </p:nvGrpSpPr>
+      <p:grpSpPr>
+        <a:xfrm>
+          <a:off x="0" y="0"/>
+          <a:ext cx="0" cy="0"/>
+          <a:chOff x="0" y="0"/>
+          <a:chExt cx="0" cy="0"/>
+        </a:xfrm>
+      </p:grpSpPr>
+      <p:sp>
+        <p:nvSpPr>
+          <p:cNvPr id="2" name="Title 1">
+            <a:extLst>
+              <a:ext uri="{FF2B5EF4-FFF2-40B4-BE49-F238E27FC236}">
+                <a16:creationId xmlns:a16="http://schemas.microsoft.com/office/drawing/2014/main" id="{47407063-2CAD-DA4A-B52E-A2AF15800775}"/>
+              </a:ext>
+            </a:extLst>
+          </p:cNvPr>
+          <p:cNvSpPr>
+            <a:spLocks noGrp="1"/>
+          </p:cNvSpPr>
+          <p:nvPr>
+            <p:ph type="title"/>
+          </p:nvPr>
+        </p:nvSpPr>
+        <p:spPr/>
+        <p:txBody>
+          <a:bodyPr/>
+          <a:lstStyle/>
+          <a:p>
+            <a:r>
+              <a:rPr lang="en-CH" b="1" dirty="0"/>
+              <a:t>4D Problem</a:t>
+            </a:r>
+            <a:br>
+              <a:rPr lang="en-CH" b="1" dirty="0"/>
+            </a:br>
+            <a:r>
+              <a:rPr lang="en-CH" sz="3200" dirty="0"/>
+              <a:t>Optimizing for Cooperation / Retaliation</a:t>
+            </a:r>
+          </a:p>
+        </p:txBody>
+      </p:sp>
+      <p:pic>
+        <p:nvPicPr>
+          <p:cNvPr id="9" name="Content Placeholder 8">
+            <a:extLst>
+              <a:ext uri="{FF2B5EF4-FFF2-40B4-BE49-F238E27FC236}">
+                <a16:creationId xmlns:a16="http://schemas.microsoft.com/office/drawing/2014/main" id="{8C0B15D6-C456-FD47-8211-02F897A4F7BB}"/>
+              </a:ext>
+            </a:extLst>
+          </p:cNvPr>
+          <p:cNvPicPr>
+            <a:picLocks noGrp="1" noChangeAspect="1"/>
+          </p:cNvPicPr>
+          <p:nvPr>
+            <p:ph idx="1"/>
+          </p:nvPr>
+        </p:nvPicPr>
+        <p:blipFill rotWithShape="1">
+          <a:blip r:embed="rId2"/>
+          <a:srcRect l="9839" t="2373" r="8998" b="4378"/>
+          <a:stretch/>
+        </p:blipFill>
+        <p:spPr>
+          <a:xfrm>
+            <a:off x="2066925" y="1690688"/>
+            <a:ext cx="8058150" cy="5085587"/>
+          </a:xfrm>
+        </p:spPr>
+      </p:pic>
+    </p:spTree>
+    <p:extLst>
+      <p:ext uri="{BB962C8B-B14F-4D97-AF65-F5344CB8AC3E}">
+        <p14:creationId xmlns:p14="http://schemas.microsoft.com/office/powerpoint/2010/main" val="4287177183"/>
+      </p:ext>
+    </p:extLst>
+  </p:cSld>
+  <p:clrMapOvr>
+    <a:masterClrMapping/>
+  </p:clrMapOvr>
+</p:sld>
+</file>
+
+<file path=ppt/slides/slide14.xml><?xml version="1.0" encoding="utf-8"?>
+<p:sld xmlns:a="http://schemas.openxmlformats.org/drawingml/2006/main" xmlns:r="http://schemas.openxmlformats.org/officeDocument/2006/relationships" xmlns:p="http://schemas.openxmlformats.org/presentationml/2006/main">
+  <p:cSld>
+    <p:spTree>
+      <p:nvGrpSpPr>
+        <p:cNvPr id="1" name=""/>
+        <p:cNvGrpSpPr/>
+        <p:nvPr/>
+      </p:nvGrpSpPr>
+      <p:grpSpPr>
+        <a:xfrm>
+          <a:off x="0" y="0"/>
+          <a:ext cx="0" cy="0"/>
+          <a:chOff x="0" y="0"/>
+          <a:chExt cx="0" cy="0"/>
+        </a:xfrm>
+      </p:grpSpPr>
+      <p:sp>
+        <p:nvSpPr>
+          <p:cNvPr id="2" name="Title 1">
+            <a:extLst>
+              <a:ext uri="{FF2B5EF4-FFF2-40B4-BE49-F238E27FC236}">
+                <a16:creationId xmlns:a16="http://schemas.microsoft.com/office/drawing/2014/main" id="{47407063-2CAD-DA4A-B52E-A2AF15800775}"/>
+              </a:ext>
+            </a:extLst>
+          </p:cNvPr>
+          <p:cNvSpPr>
+            <a:spLocks noGrp="1"/>
+          </p:cNvSpPr>
+          <p:nvPr>
+            <p:ph type="title"/>
+          </p:nvPr>
+        </p:nvSpPr>
+        <p:spPr/>
+        <p:txBody>
+          <a:bodyPr/>
+          <a:lstStyle/>
+          <a:p>
+            <a:r>
+              <a:rPr lang="en-CH" b="1" dirty="0"/>
+              <a:t>4D Problem</a:t>
+            </a:r>
+            <a:br>
+              <a:rPr lang="en-CH" b="1" dirty="0"/>
+            </a:br>
+            <a:r>
+              <a:rPr lang="en-CH" sz="3200" dirty="0"/>
+              <a:t>Optimizing for Cooperation / Retaliation</a:t>
+            </a:r>
+          </a:p>
+        </p:txBody>
+      </p:sp>
+      <p:sp>
+        <p:nvSpPr>
+          <p:cNvPr id="4" name="Content Placeholder 3">
+            <a:extLst>
+              <a:ext uri="{FF2B5EF4-FFF2-40B4-BE49-F238E27FC236}">
+                <a16:creationId xmlns:a16="http://schemas.microsoft.com/office/drawing/2014/main" id="{F52CEB39-8581-A642-9531-534B503F0592}"/>
+              </a:ext>
+            </a:extLst>
+          </p:cNvPr>
+          <p:cNvSpPr>
+            <a:spLocks noGrp="1"/>
+          </p:cNvSpPr>
+          <p:nvPr>
+            <p:ph idx="1"/>
+          </p:nvPr>
+        </p:nvSpPr>
+        <p:spPr/>
+        <p:txBody>
+          <a:bodyPr anchor="ctr"/>
+          <a:lstStyle/>
+          <a:p>
+            <a:pPr marL="0" indent="0" algn="ctr">
+              <a:buNone/>
+            </a:pPr>
+            <a:r>
+              <a:rPr lang="en-CH" dirty="0">
+                <a:latin typeface="Arial Rounded MT Bold" panose="020F0704030504030204" pitchFamily="34" charset="77"/>
+              </a:rPr>
+              <a:t>Can we do something about this?</a:t>
+            </a:r>
+          </a:p>
+          <a:p>
+            <a:pPr marL="0" indent="0" algn="ctr">
+              <a:buNone/>
+            </a:pPr>
+            <a:endParaRPr lang="en-CH" dirty="0">
+              <a:latin typeface="Arial Rounded MT Bold" panose="020F0704030504030204" pitchFamily="34" charset="77"/>
+            </a:endParaRPr>
+          </a:p>
+          <a:p>
+            <a:pPr marL="0" indent="0" algn="ctr">
+              <a:buNone/>
+            </a:pPr>
+            <a:endParaRPr lang="en-CH" dirty="0">
+              <a:latin typeface="Arial Rounded MT Bold" panose="020F0704030504030204" pitchFamily="34" charset="77"/>
+            </a:endParaRPr>
+          </a:p>
+          <a:p>
+            <a:pPr marL="0" indent="0" algn="ctr">
+              <a:buNone/>
+            </a:pPr>
+            <a:endParaRPr lang="en-CH" dirty="0">
+              <a:latin typeface="Arial Rounded MT Bold" panose="020F0704030504030204" pitchFamily="34" charset="77"/>
+            </a:endParaRPr>
+          </a:p>
+        </p:txBody>
+      </p:sp>
+    </p:spTree>
+    <p:extLst>
+      <p:ext uri="{BB962C8B-B14F-4D97-AF65-F5344CB8AC3E}">
+        <p14:creationId xmlns:p14="http://schemas.microsoft.com/office/powerpoint/2010/main" val="1467436321"/>
+      </p:ext>
+    </p:extLst>
+  </p:cSld>
+  <p:clrMapOvr>
+    <a:masterClrMapping/>
+  </p:clrMapOvr>
+</p:sld>
+</file>
+
+<file path=ppt/slides/slide15.xml><?xml version="1.0" encoding="utf-8"?>
+<p:sld xmlns:a="http://schemas.openxmlformats.org/drawingml/2006/main" xmlns:r="http://schemas.openxmlformats.org/officeDocument/2006/relationships" xmlns:p="http://schemas.openxmlformats.org/presentationml/2006/main">
+  <p:cSld>
+    <p:spTree>
+      <p:nvGrpSpPr>
+        <p:cNvPr id="1" name=""/>
+        <p:cNvGrpSpPr/>
+        <p:nvPr/>
+      </p:nvGrpSpPr>
+      <p:grpSpPr>
+        <a:xfrm>
+          <a:off x="0" y="0"/>
+          <a:ext cx="0" cy="0"/>
+          <a:chOff x="0" y="0"/>
+          <a:chExt cx="0" cy="0"/>
+        </a:xfrm>
+      </p:grpSpPr>
+      <p:sp>
+        <p:nvSpPr>
+          <p:cNvPr id="2" name="Title 1">
+            <a:extLst>
+              <a:ext uri="{FF2B5EF4-FFF2-40B4-BE49-F238E27FC236}">
+                <a16:creationId xmlns:a16="http://schemas.microsoft.com/office/drawing/2014/main" id="{47407063-2CAD-DA4A-B52E-A2AF15800775}"/>
+              </a:ext>
+            </a:extLst>
+          </p:cNvPr>
+          <p:cNvSpPr>
+            <a:spLocks noGrp="1"/>
+          </p:cNvSpPr>
+          <p:nvPr>
+            <p:ph type="title"/>
+          </p:nvPr>
+        </p:nvSpPr>
+        <p:spPr/>
+        <p:txBody>
+          <a:bodyPr/>
+          <a:lstStyle/>
+          <a:p>
+            <a:r>
+              <a:rPr lang="en-CH" b="1" dirty="0"/>
+              <a:t>4D Problem</a:t>
+            </a:r>
+            <a:br>
+              <a:rPr lang="en-CH" b="1" dirty="0"/>
+            </a:br>
+            <a:r>
+              <a:rPr lang="en-CH" sz="3200" dirty="0"/>
+              <a:t>Optimizing for Cooperation / Retaliation</a:t>
+            </a:r>
+          </a:p>
+        </p:txBody>
+      </p:sp>
+      <p:sp>
+        <p:nvSpPr>
+          <p:cNvPr id="4" name="Content Placeholder 3">
+            <a:extLst>
+              <a:ext uri="{FF2B5EF4-FFF2-40B4-BE49-F238E27FC236}">
+                <a16:creationId xmlns:a16="http://schemas.microsoft.com/office/drawing/2014/main" id="{F52CEB39-8581-A642-9531-534B503F0592}"/>
+              </a:ext>
+            </a:extLst>
+          </p:cNvPr>
+          <p:cNvSpPr>
+            <a:spLocks noGrp="1"/>
+          </p:cNvSpPr>
+          <p:nvPr>
+            <p:ph idx="1"/>
+          </p:nvPr>
+        </p:nvSpPr>
+        <p:spPr/>
+        <p:txBody>
+          <a:bodyPr anchor="ctr"/>
+          <a:lstStyle/>
+          <a:p>
+            <a:pPr marL="0" indent="0" algn="ctr">
+              <a:buNone/>
+            </a:pPr>
+            <a:r>
+              <a:rPr lang="en-CH" dirty="0">
+                <a:latin typeface="Arial Rounded MT Bold" panose="020F0704030504030204" pitchFamily="34" charset="77"/>
+              </a:rPr>
+              <a:t>Can we do something about this?</a:t>
+            </a:r>
+          </a:p>
+          <a:p>
+            <a:pPr marL="0" indent="0" algn="ctr">
+              <a:buNone/>
+            </a:pPr>
+            <a:endParaRPr lang="en-CH" dirty="0">
+              <a:latin typeface="Arial Rounded MT Bold" panose="020F0704030504030204" pitchFamily="34" charset="77"/>
+            </a:endParaRPr>
+          </a:p>
+          <a:p>
+            <a:pPr marL="0" indent="0" algn="ctr">
+              <a:buNone/>
+            </a:pPr>
+            <a:endParaRPr lang="en-CH" dirty="0">
+              <a:latin typeface="Arial Rounded MT Bold" panose="020F0704030504030204" pitchFamily="34" charset="77"/>
+            </a:endParaRPr>
+          </a:p>
+          <a:p>
+            <a:pPr marL="0" indent="0" algn="ctr">
+              <a:buNone/>
+            </a:pPr>
+            <a:r>
+              <a:rPr lang="en-CH">
+                <a:latin typeface="Arial Rounded MT Bold" panose="020F0704030504030204" pitchFamily="34" charset="77"/>
+              </a:rPr>
+              <a:t>Yes!</a:t>
+            </a:r>
+            <a:endParaRPr lang="en-CH" dirty="0">
+              <a:latin typeface="Arial Rounded MT Bold" panose="020F0704030504030204" pitchFamily="34" charset="77"/>
+            </a:endParaRPr>
+          </a:p>
+        </p:txBody>
+      </p:sp>
+    </p:spTree>
+    <p:extLst>
+      <p:ext uri="{BB962C8B-B14F-4D97-AF65-F5344CB8AC3E}">
+        <p14:creationId xmlns:p14="http://schemas.microsoft.com/office/powerpoint/2010/main" val="3369000065"/>
+      </p:ext>
+    </p:extLst>
+  </p:cSld>
+  <p:clrMapOvr>
+    <a:masterClrMapping/>
+  </p:clrMapOvr>
+</p:sld>
+</file>
+
+<file path=ppt/slides/slide16.xml><?xml version="1.0" encoding="utf-8"?>
+<p:sld xmlns:a="http://schemas.openxmlformats.org/drawingml/2006/main" xmlns:r="http://schemas.openxmlformats.org/officeDocument/2006/relationships" xmlns:p="http://schemas.openxmlformats.org/presentationml/2006/main">
+  <p:cSld>
+    <p:spTree>
+      <p:nvGrpSpPr>
+        <p:cNvPr id="1" name=""/>
+        <p:cNvGrpSpPr/>
+        <p:nvPr/>
+      </p:nvGrpSpPr>
+      <p:grpSpPr>
+        <a:xfrm>
+          <a:off x="0" y="0"/>
+          <a:ext cx="0" cy="0"/>
+          <a:chOff x="0" y="0"/>
+          <a:chExt cx="0" cy="0"/>
+        </a:xfrm>
+      </p:grpSpPr>
+      <p:sp>
+        <p:nvSpPr>
+          <p:cNvPr id="2" name="Title 1">
+            <a:extLst>
+              <a:ext uri="{FF2B5EF4-FFF2-40B4-BE49-F238E27FC236}">
+                <a16:creationId xmlns:a16="http://schemas.microsoft.com/office/drawing/2014/main" id="{47407063-2CAD-DA4A-B52E-A2AF15800775}"/>
+              </a:ext>
+            </a:extLst>
+          </p:cNvPr>
+          <p:cNvSpPr>
+            <a:spLocks noGrp="1"/>
+          </p:cNvSpPr>
+          <p:nvPr>
+            <p:ph type="title"/>
+          </p:nvPr>
+        </p:nvSpPr>
+        <p:spPr/>
+        <p:txBody>
+          <a:bodyPr/>
+          <a:lstStyle/>
+          <a:p>
+            <a:r>
+              <a:rPr lang="en-CH" b="1" dirty="0"/>
+              <a:t>4D Problem</a:t>
+            </a:r>
+            <a:br>
+              <a:rPr lang="en-CH" b="1" dirty="0"/>
+            </a:br>
+            <a:r>
+              <a:rPr lang="en-CH" sz="3200" dirty="0"/>
+              <a:t>Optimizing for Cooperation / Retaliation</a:t>
+            </a:r>
+          </a:p>
+        </p:txBody>
+      </p:sp>
+      <p:sp>
+        <p:nvSpPr>
+          <p:cNvPr id="4" name="Content Placeholder 3">
+            <a:extLst>
+              <a:ext uri="{FF2B5EF4-FFF2-40B4-BE49-F238E27FC236}">
+                <a16:creationId xmlns:a16="http://schemas.microsoft.com/office/drawing/2014/main" id="{F52CEB39-8581-A642-9531-534B503F0592}"/>
+              </a:ext>
+            </a:extLst>
+          </p:cNvPr>
+          <p:cNvSpPr>
+            <a:spLocks noGrp="1"/>
+          </p:cNvSpPr>
+          <p:nvPr>
+            <p:ph idx="1"/>
+          </p:nvPr>
+        </p:nvSpPr>
+        <p:spPr/>
+        <p:txBody>
+          <a:bodyPr anchor="ctr"/>
+          <a:lstStyle/>
+          <a:p>
+            <a:pPr marL="0" indent="0" algn="ctr">
+              <a:buNone/>
+            </a:pPr>
+            <a:r>
+              <a:rPr lang="en-CH" sz="4800" dirty="0">
+                <a:latin typeface="Arial Rounded MT Bold" panose="020F0704030504030204" pitchFamily="34" charset="77"/>
+                <a:cs typeface="Aharoni" panose="02010803020104030203" pitchFamily="2" charset="-79"/>
+              </a:rPr>
+              <a:t>Nice guy injection™</a:t>
+            </a:r>
+          </a:p>
+        </p:txBody>
+      </p:sp>
+    </p:spTree>
+    <p:extLst>
+      <p:ext uri="{BB962C8B-B14F-4D97-AF65-F5344CB8AC3E}">
+        <p14:creationId xmlns:p14="http://schemas.microsoft.com/office/powerpoint/2010/main" val="2875267811"/>
+      </p:ext>
+    </p:extLst>
+  </p:cSld>
+  <p:clrMapOvr>
+    <a:masterClrMapping/>
+  </p:clrMapOvr>
+</p:sld>
+</file>
+
+<file path=ppt/slides/slide17.xml><?xml version="1.0" encoding="utf-8"?>
+<p:sld xmlns:a="http://schemas.openxmlformats.org/drawingml/2006/main" xmlns:r="http://schemas.openxmlformats.org/officeDocument/2006/relationships" xmlns:p="http://schemas.openxmlformats.org/presentationml/2006/main">
+  <p:cSld>
+    <p:spTree>
+      <p:nvGrpSpPr>
+        <p:cNvPr id="1" name=""/>
+        <p:cNvGrpSpPr/>
+        <p:nvPr/>
+      </p:nvGrpSpPr>
+      <p:grpSpPr>
+        <a:xfrm>
+          <a:off x="0" y="0"/>
+          <a:ext cx="0" cy="0"/>
+          <a:chOff x="0" y="0"/>
+          <a:chExt cx="0" cy="0"/>
+        </a:xfrm>
+      </p:grpSpPr>
+      <p:sp>
+        <p:nvSpPr>
+          <p:cNvPr id="2" name="Title 1">
+            <a:extLst>
+              <a:ext uri="{FF2B5EF4-FFF2-40B4-BE49-F238E27FC236}">
+                <a16:creationId xmlns:a16="http://schemas.microsoft.com/office/drawing/2014/main" id="{47407063-2CAD-DA4A-B52E-A2AF15800775}"/>
+              </a:ext>
+            </a:extLst>
+          </p:cNvPr>
+          <p:cNvSpPr>
+            <a:spLocks noGrp="1"/>
+          </p:cNvSpPr>
+          <p:nvPr>
+            <p:ph type="title"/>
+          </p:nvPr>
+        </p:nvSpPr>
+        <p:spPr/>
+        <p:txBody>
+          <a:bodyPr/>
+          <a:lstStyle/>
+          <a:p>
+            <a:r>
+              <a:rPr lang="en-CH" b="1" dirty="0"/>
+              <a:t>4D Problem</a:t>
+            </a:r>
+            <a:br>
+              <a:rPr lang="en-CH" b="1" dirty="0"/>
+            </a:br>
+            <a:r>
+              <a:rPr lang="en-CH" sz="3200" dirty="0"/>
+              <a:t>Optimizing for Cooperation / Retaliation</a:t>
+            </a:r>
+          </a:p>
+        </p:txBody>
+      </p:sp>
+      <p:pic>
+        <p:nvPicPr>
+          <p:cNvPr id="9" name="Content Placeholder 8">
+            <a:extLst>
+              <a:ext uri="{FF2B5EF4-FFF2-40B4-BE49-F238E27FC236}">
+                <a16:creationId xmlns:a16="http://schemas.microsoft.com/office/drawing/2014/main" id="{8C0B15D6-C456-FD47-8211-02F897A4F7BB}"/>
+              </a:ext>
+            </a:extLst>
+          </p:cNvPr>
+          <p:cNvPicPr>
+            <a:picLocks noGrp="1" noChangeAspect="1"/>
+          </p:cNvPicPr>
+          <p:nvPr>
+            <p:ph idx="1"/>
+          </p:nvPr>
+        </p:nvPicPr>
+        <p:blipFill rotWithShape="1">
+          <a:blip r:embed="rId2"/>
+          <a:srcRect l="9744" t="3544" r="8797" b="4971"/>
+          <a:stretch/>
+        </p:blipFill>
+        <p:spPr>
+          <a:xfrm>
+            <a:off x="2067600" y="1690688"/>
+            <a:ext cx="8056800" cy="4970366"/>
+          </a:xfrm>
+        </p:spPr>
+      </p:pic>
+    </p:spTree>
+    <p:extLst>
+      <p:ext uri="{BB962C8B-B14F-4D97-AF65-F5344CB8AC3E}">
+        <p14:creationId xmlns:p14="http://schemas.microsoft.com/office/powerpoint/2010/main" val="3818798610"/>
+      </p:ext>
+    </p:extLst>
+  </p:cSld>
+  <p:clrMapOvr>
+    <a:masterClrMapping/>
+  </p:clrMapOvr>
+</p:sld>
+</file>
+
+<file path=ppt/slides/slide18.xml><?xml version="1.0" encoding="utf-8"?>
+<p:sld xmlns:a="http://schemas.openxmlformats.org/drawingml/2006/main" xmlns:r="http://schemas.openxmlformats.org/officeDocument/2006/relationships" xmlns:p="http://schemas.openxmlformats.org/presentationml/2006/main">
+  <p:cSld>
+    <p:spTree>
+      <p:nvGrpSpPr>
+        <p:cNvPr id="1" name=""/>
+        <p:cNvGrpSpPr/>
+        <p:nvPr/>
+      </p:nvGrpSpPr>
+      <p:grpSpPr>
+        <a:xfrm>
+          <a:off x="0" y="0"/>
+          <a:ext cx="0" cy="0"/>
+          <a:chOff x="0" y="0"/>
+          <a:chExt cx="0" cy="0"/>
+        </a:xfrm>
+      </p:grpSpPr>
+      <p:sp>
+        <p:nvSpPr>
+          <p:cNvPr id="2" name="Title 1">
+            <a:extLst>
+              <a:ext uri="{FF2B5EF4-FFF2-40B4-BE49-F238E27FC236}">
+                <a16:creationId xmlns:a16="http://schemas.microsoft.com/office/drawing/2014/main" id="{47407063-2CAD-DA4A-B52E-A2AF15800775}"/>
+              </a:ext>
+            </a:extLst>
+          </p:cNvPr>
+          <p:cNvSpPr>
+            <a:spLocks noGrp="1"/>
+          </p:cNvSpPr>
+          <p:nvPr>
+            <p:ph type="title"/>
+          </p:nvPr>
+        </p:nvSpPr>
+        <p:spPr/>
+        <p:txBody>
+          <a:bodyPr/>
+          <a:lstStyle/>
+          <a:p>
+            <a:r>
+              <a:rPr lang="en-CH" b="1" dirty="0"/>
+              <a:t>4D Problem</a:t>
+            </a:r>
+            <a:br>
+              <a:rPr lang="en-CH" b="1" dirty="0"/>
+            </a:br>
+            <a:r>
+              <a:rPr lang="en-CH" sz="3200" dirty="0"/>
+              <a:t>Optimizing for Cooperation / Retaliation</a:t>
+            </a:r>
+          </a:p>
+        </p:txBody>
+      </p:sp>
+      <p:pic>
+        <p:nvPicPr>
+          <p:cNvPr id="9" name="Content Placeholder 8">
+            <a:extLst>
+              <a:ext uri="{FF2B5EF4-FFF2-40B4-BE49-F238E27FC236}">
+                <a16:creationId xmlns:a16="http://schemas.microsoft.com/office/drawing/2014/main" id="{8C0B15D6-C456-FD47-8211-02F897A4F7BB}"/>
+              </a:ext>
+            </a:extLst>
+          </p:cNvPr>
+          <p:cNvPicPr>
+            <a:picLocks noGrp="1" noChangeAspect="1"/>
+          </p:cNvPicPr>
+          <p:nvPr>
+            <p:ph idx="1"/>
+          </p:nvPr>
+        </p:nvPicPr>
+        <p:blipFill>
+          <a:blip r:embed="rId2"/>
+          <a:srcRect/>
+          <a:stretch/>
+        </p:blipFill>
+        <p:spPr>
+          <a:xfrm>
+            <a:off x="2705609" y="1690688"/>
+            <a:ext cx="6780782" cy="5085587"/>
+          </a:xfrm>
+        </p:spPr>
+      </p:pic>
+    </p:spTree>
+    <p:extLst>
+      <p:ext uri="{BB962C8B-B14F-4D97-AF65-F5344CB8AC3E}">
+        <p14:creationId xmlns:p14="http://schemas.microsoft.com/office/powerpoint/2010/main" val="1861897847"/>
+      </p:ext>
+    </p:extLst>
+  </p:cSld>
+  <p:clrMapOvr>
+    <a:masterClrMapping/>
+  </p:clrMapOvr>
+</p:sld>
+</file>
+
+<file path=ppt/slides/slide19.xml><?xml version="1.0" encoding="utf-8"?>
+<p:sld xmlns:a="http://schemas.openxmlformats.org/drawingml/2006/main" xmlns:r="http://schemas.openxmlformats.org/officeDocument/2006/relationships" xmlns:p="http://schemas.openxmlformats.org/presentationml/2006/main">
+  <p:cSld>
+    <p:spTree>
+      <p:nvGrpSpPr>
+        <p:cNvPr id="1" name=""/>
+        <p:cNvGrpSpPr/>
+        <p:nvPr/>
+      </p:nvGrpSpPr>
+      <p:grpSpPr>
+        <a:xfrm>
+          <a:off x="0" y="0"/>
+          <a:ext cx="0" cy="0"/>
+          <a:chOff x="0" y="0"/>
+          <a:chExt cx="0" cy="0"/>
+        </a:xfrm>
+      </p:grpSpPr>
+      <p:sp>
+        <p:nvSpPr>
+          <p:cNvPr id="2" name="Title 1">
+            <a:extLst>
+              <a:ext uri="{FF2B5EF4-FFF2-40B4-BE49-F238E27FC236}">
+                <a16:creationId xmlns:a16="http://schemas.microsoft.com/office/drawing/2014/main" id="{95D6FA97-08BF-EE45-875E-AFFE9E647776}"/>
+              </a:ext>
+            </a:extLst>
+          </p:cNvPr>
+          <p:cNvSpPr>
+            <a:spLocks noGrp="1"/>
+          </p:cNvSpPr>
+          <p:nvPr>
+            <p:ph type="title"/>
+          </p:nvPr>
+        </p:nvSpPr>
+        <p:spPr/>
+        <p:txBody>
+          <a:bodyPr/>
+          <a:lstStyle/>
+          <a:p>
+            <a:r>
+              <a:rPr lang="en-CH" b="1" dirty="0"/>
+              <a:t>Key Takeaways</a:t>
+            </a:r>
+          </a:p>
+        </p:txBody>
+      </p:sp>
+      <p:sp>
+        <p:nvSpPr>
+          <p:cNvPr id="3" name="Content Placeholder 2">
+            <a:extLst>
+              <a:ext uri="{FF2B5EF4-FFF2-40B4-BE49-F238E27FC236}">
+                <a16:creationId xmlns:a16="http://schemas.microsoft.com/office/drawing/2014/main" id="{F8733B57-96B4-884E-87C8-B810D59A2EFF}"/>
+              </a:ext>
+            </a:extLst>
+          </p:cNvPr>
+          <p:cNvSpPr>
+            <a:spLocks noGrp="1"/>
+          </p:cNvSpPr>
+          <p:nvPr>
+            <p:ph idx="1"/>
+          </p:nvPr>
+        </p:nvSpPr>
+        <p:spPr/>
+        <p:txBody>
+          <a:bodyPr/>
+          <a:lstStyle/>
+          <a:p>
+            <a:pPr>
+              <a:lnSpc>
+                <a:spcPct val="150000"/>
+              </a:lnSpc>
+            </a:pPr>
+            <a:r>
+              <a:rPr lang="en-CH" dirty="0"/>
+              <a:t>Updates to the population influence the fitness function.</a:t>
+            </a:r>
+          </a:p>
+          <a:p>
+            <a:pPr>
+              <a:lnSpc>
+                <a:spcPct val="150000"/>
+              </a:lnSpc>
+            </a:pPr>
+            <a:r>
+              <a:rPr lang="en-CH" b="1" i="1" dirty="0"/>
+              <a:t>Optimum depends on the environment!</a:t>
+            </a:r>
+          </a:p>
+          <a:p>
+            <a:pPr lvl="1">
+              <a:lnSpc>
+                <a:spcPct val="150000"/>
+              </a:lnSpc>
+            </a:pPr>
+            <a:r>
+              <a:rPr lang="en-CH" dirty="0"/>
+              <a:t>Initialization is very important.</a:t>
+            </a:r>
+          </a:p>
+          <a:p>
+            <a:pPr>
+              <a:lnSpc>
+                <a:spcPct val="150000"/>
+              </a:lnSpc>
+            </a:pPr>
+            <a:r>
+              <a:rPr lang="en-CH"/>
+              <a:t>Distrust generates distrust.</a:t>
+            </a:r>
+          </a:p>
+          <a:p>
+            <a:pPr>
+              <a:lnSpc>
+                <a:spcPct val="150000"/>
+              </a:lnSpc>
+            </a:pPr>
+            <a:r>
+              <a:rPr lang="en-CH" dirty="0"/>
+              <a:t>Cooperation pays…</a:t>
+            </a:r>
+          </a:p>
+          <a:p>
+            <a:pPr lvl="1">
+              <a:lnSpc>
+                <a:spcPct val="150000"/>
+              </a:lnSpc>
+            </a:pPr>
+            <a:r>
+              <a:rPr lang="en-CH" dirty="0"/>
+              <a:t>…if you have friends.</a:t>
+            </a:r>
+          </a:p>
+        </p:txBody>
+      </p:sp>
+    </p:spTree>
+    <p:extLst>
+      <p:ext uri="{BB962C8B-B14F-4D97-AF65-F5344CB8AC3E}">
+        <p14:creationId xmlns:p14="http://schemas.microsoft.com/office/powerpoint/2010/main" val="208276807"/>
+      </p:ext>
+    </p:extLst>
+  </p:cSld>
+  <p:clrMapOvr>
+    <a:masterClrMapping/>
+  </p:clrMapOvr>
+  <p:timing>
+    <p:tnLst>
+      <p:par>
+        <p:cTn id="1" dur="indefinite" restart="never" nodeType="tmRoot">
+          <p:childTnLst>
+            <p:seq concurrent="1" nextAc="seek">
+              <p:cTn id="2" dur="indefinite" nodeType="mainSeq">
+                <p:childTnLst>
+                  <p:par>
+                    <p:cTn id="3" fill="hold">
+                      <p:stCondLst>
+                        <p:cond delay="indefinite"/>
+                      </p:stCondLst>
+                      <p:childTnLst>
+                        <p:par>
+                          <p:cTn id="4" fill="hold">
+                            <p:stCondLst>
+                              <p:cond delay="0"/>
+                            </p:stCondLst>
+                            <p:childTnLst>
+                              <p:par>
+                                <p:cTn id="5" presetID="10" presetClass="entr" presetSubtype="0" fill="hold" grpId="0" nodeType="clickEffect">
+                                  <p:stCondLst>
+                                    <p:cond delay="0"/>
+                                  </p:stCondLst>
+                                  <p:childTnLst>
+                                    <p:set>
+                                      <p:cBhvr>
+                                        <p:cTn id="6" dur="1" fill="hold">
+                                          <p:stCondLst>
+                                            <p:cond delay="0"/>
+                                          </p:stCondLst>
+                                        </p:cTn>
+                                        <p:tgtEl>
+                                          <p:spTgt spid="3">
+                                            <p:txEl>
+                                              <p:pRg st="0" end="0"/>
+                                            </p:txEl>
+                                          </p:spTgt>
+                                        </p:tgtEl>
+                                        <p:attrNameLst>
+                                          <p:attrName>style.visibility</p:attrName>
+                                        </p:attrNameLst>
+                                      </p:cBhvr>
+                                      <p:to>
+                                        <p:strVal val="visible"/>
+                                      </p:to>
+                                    </p:set>
+                                    <p:animEffect transition="in" filter="fade">
+                                      <p:cBhvr>
+                                        <p:cTn id="7" dur="200"/>
+                                        <p:tgtEl>
+                                          <p:spTgt spid="3">
+                                            <p:txEl>
+                                              <p:pRg st="0" end="0"/>
+                                            </p:txEl>
+                                          </p:spTgt>
+                                        </p:tgtEl>
+                                      </p:cBhvr>
+                                    </p:animEffect>
+                                  </p:childTnLst>
+                                </p:cTn>
+                              </p:par>
+                            </p:childTnLst>
+                          </p:cTn>
+                        </p:par>
+                      </p:childTnLst>
+                    </p:cTn>
+                  </p:par>
+                  <p:par>
+                    <p:cTn id="8" fill="hold">
+                      <p:stCondLst>
+                        <p:cond delay="indefinite"/>
+                      </p:stCondLst>
+                      <p:childTnLst>
+                        <p:par>
+                          <p:cTn id="9" fill="hold">
+                            <p:stCondLst>
+                              <p:cond delay="0"/>
+                            </p:stCondLst>
+                            <p:childTnLst>
+                              <p:par>
+                                <p:cTn id="10" presetID="10" presetClass="entr" presetSubtype="0" fill="hold" grpId="0" nodeType="clickEffect">
+                                  <p:stCondLst>
+                                    <p:cond delay="0"/>
+                                  </p:stCondLst>
+                                  <p:childTnLst>
+                                    <p:set>
+                                      <p:cBhvr>
+                                        <p:cTn id="11" dur="1" fill="hold">
+                                          <p:stCondLst>
+                                            <p:cond delay="0"/>
+                                          </p:stCondLst>
+                                        </p:cTn>
+                                        <p:tgtEl>
+                                          <p:spTgt spid="3">
+                                            <p:txEl>
+                                              <p:pRg st="1" end="1"/>
+                                            </p:txEl>
+                                          </p:spTgt>
+                                        </p:tgtEl>
+                                        <p:attrNameLst>
+                                          <p:attrName>style.visibility</p:attrName>
+                                        </p:attrNameLst>
+                                      </p:cBhvr>
+                                      <p:to>
+                                        <p:strVal val="visible"/>
+                                      </p:to>
+                                    </p:set>
+                                    <p:animEffect transition="in" filter="fade">
+                                      <p:cBhvr>
+                                        <p:cTn id="12" dur="200"/>
+                                        <p:tgtEl>
+                                          <p:spTgt spid="3">
+                                            <p:txEl>
+                                              <p:pRg st="1" end="1"/>
+                                            </p:txEl>
+                                          </p:spTgt>
+                                        </p:tgtEl>
+                                      </p:cBhvr>
+                                    </p:animEffect>
+                                  </p:childTnLst>
+                                </p:cTn>
+                              </p:par>
+                            </p:childTnLst>
+                          </p:cTn>
+                        </p:par>
+                      </p:childTnLst>
+                    </p:cTn>
+                  </p:par>
+                  <p:par>
+                    <p:cTn id="13" fill="hold">
+                      <p:stCondLst>
+                        <p:cond delay="indefinite"/>
+                      </p:stCondLst>
+                      <p:childTnLst>
+                        <p:par>
+                          <p:cTn id="14" fill="hold">
+                            <p:stCondLst>
+                              <p:cond delay="0"/>
+                            </p:stCondLst>
+                            <p:childTnLst>
+                              <p:par>
+                                <p:cTn id="15" presetID="10" presetClass="entr" presetSubtype="0" fill="hold" grpId="0" nodeType="clickEffect">
+                                  <p:stCondLst>
+                                    <p:cond delay="0"/>
+                                  </p:stCondLst>
+                                  <p:childTnLst>
+                                    <p:set>
+                                      <p:cBhvr>
+                                        <p:cTn id="16" dur="1" fill="hold">
+                                          <p:stCondLst>
+                                            <p:cond delay="0"/>
+                                          </p:stCondLst>
+                                        </p:cTn>
+                                        <p:tgtEl>
+                                          <p:spTgt spid="3">
+                                            <p:txEl>
+                                              <p:pRg st="2" end="2"/>
+                                            </p:txEl>
+                                          </p:spTgt>
+                                        </p:tgtEl>
+                                        <p:attrNameLst>
+                                          <p:attrName>style.visibility</p:attrName>
+                                        </p:attrNameLst>
+                                      </p:cBhvr>
+                                      <p:to>
+                                        <p:strVal val="visible"/>
+                                      </p:to>
+                                    </p:set>
+                                    <p:animEffect transition="in" filter="fade">
+                                      <p:cBhvr>
+                                        <p:cTn id="17" dur="200"/>
+                                        <p:tgtEl>
+                                          <p:spTgt spid="3">
+                                            <p:txEl>
+                                              <p:pRg st="2" end="2"/>
+                                            </p:txEl>
+                                          </p:spTgt>
+                                        </p:tgtEl>
+                                      </p:cBhvr>
+                                    </p:animEffect>
+                                  </p:childTnLst>
+                                </p:cTn>
+                              </p:par>
+                            </p:childTnLst>
+                          </p:cTn>
+                        </p:par>
+                      </p:childTnLst>
+                    </p:cTn>
+                  </p:par>
+                  <p:par>
+                    <p:cTn id="18" fill="hold">
+                      <p:stCondLst>
+                        <p:cond delay="indefinite"/>
+                      </p:stCondLst>
+                      <p:childTnLst>
+                        <p:par>
+                          <p:cTn id="19" fill="hold">
+                            <p:stCondLst>
+                              <p:cond delay="0"/>
+                            </p:stCondLst>
+                            <p:childTnLst>
+                              <p:par>
+                                <p:cTn id="20" presetID="10" presetClass="entr" presetSubtype="0" fill="hold" grpId="0" nodeType="clickEffect">
+                                  <p:stCondLst>
+                                    <p:cond delay="0"/>
+                                  </p:stCondLst>
+                                  <p:childTnLst>
+                                    <p:set>
+                                      <p:cBhvr>
+                                        <p:cTn id="21" dur="1" fill="hold">
+                                          <p:stCondLst>
+                                            <p:cond delay="0"/>
+                                          </p:stCondLst>
+                                        </p:cTn>
+                                        <p:tgtEl>
+                                          <p:spTgt spid="3">
+                                            <p:txEl>
+                                              <p:pRg st="3" end="3"/>
+                                            </p:txEl>
+                                          </p:spTgt>
+                                        </p:tgtEl>
+                                        <p:attrNameLst>
+                                          <p:attrName>style.visibility</p:attrName>
+                                        </p:attrNameLst>
+                                      </p:cBhvr>
+                                      <p:to>
+                                        <p:strVal val="visible"/>
+                                      </p:to>
+                                    </p:set>
+                                    <p:animEffect transition="in" filter="fade">
+                                      <p:cBhvr>
+                                        <p:cTn id="22" dur="200"/>
+                                        <p:tgtEl>
+                                          <p:spTgt spid="3">
+                                            <p:txEl>
+                                              <p:pRg st="3" end="3"/>
+                                            </p:txEl>
+                                          </p:spTgt>
+                                        </p:tgtEl>
+                                      </p:cBhvr>
+                                    </p:animEffect>
+                                  </p:childTnLst>
+                                </p:cTn>
+                              </p:par>
+                            </p:childTnLst>
+                          </p:cTn>
+                        </p:par>
+                      </p:childTnLst>
+                    </p:cTn>
+                  </p:par>
+                  <p:par>
+                    <p:cTn id="23" fill="hold">
+                      <p:stCondLst>
+                        <p:cond delay="indefinite"/>
+                      </p:stCondLst>
+                      <p:childTnLst>
+                        <p:par>
+                          <p:cTn id="24" fill="hold">
+                            <p:stCondLst>
+                              <p:cond delay="0"/>
+                            </p:stCondLst>
+                            <p:childTnLst>
+                              <p:par>
+                                <p:cTn id="25" presetID="10" presetClass="entr" presetSubtype="0" fill="hold" grpId="0" nodeType="clickEffect">
+                                  <p:stCondLst>
+                                    <p:cond delay="0"/>
+                                  </p:stCondLst>
+                                  <p:childTnLst>
+                                    <p:set>
+                                      <p:cBhvr>
+                                        <p:cTn id="26" dur="1" fill="hold">
+                                          <p:stCondLst>
+                                            <p:cond delay="0"/>
+                                          </p:stCondLst>
+                                        </p:cTn>
+                                        <p:tgtEl>
+                                          <p:spTgt spid="3">
+                                            <p:txEl>
+                                              <p:pRg st="4" end="4"/>
+                                            </p:txEl>
+                                          </p:spTgt>
+                                        </p:tgtEl>
+                                        <p:attrNameLst>
+                                          <p:attrName>style.visibility</p:attrName>
+                                        </p:attrNameLst>
+                                      </p:cBhvr>
+                                      <p:to>
+                                        <p:strVal val="visible"/>
+                                      </p:to>
+                                    </p:set>
+                                    <p:animEffect transition="in" filter="fade">
+                                      <p:cBhvr>
+                                        <p:cTn id="27" dur="200"/>
+                                        <p:tgtEl>
+                                          <p:spTgt spid="3">
+                                            <p:txEl>
+                                              <p:pRg st="4" end="4"/>
+                                            </p:txEl>
+                                          </p:spTgt>
+                                        </p:tgtEl>
+                                      </p:cBhvr>
+                                    </p:animEffect>
+                                  </p:childTnLst>
+                                </p:cTn>
+                              </p:par>
+                            </p:childTnLst>
+                          </p:cTn>
+                        </p:par>
+                      </p:childTnLst>
+                    </p:cTn>
+                  </p:par>
+                  <p:par>
+                    <p:cTn id="28" fill="hold">
+                      <p:stCondLst>
+                        <p:cond delay="indefinite"/>
+                      </p:stCondLst>
+                      <p:childTnLst>
+                        <p:par>
+                          <p:cTn id="29" fill="hold">
+                            <p:stCondLst>
+                              <p:cond delay="0"/>
+                            </p:stCondLst>
+                            <p:childTnLst>
+                              <p:par>
+                                <p:cTn id="30" presetID="10" presetClass="entr" presetSubtype="0" fill="hold" grpId="0" nodeType="clickEffect">
+                                  <p:stCondLst>
+                                    <p:cond delay="0"/>
+                                  </p:stCondLst>
+                                  <p:childTnLst>
+                                    <p:set>
+                                      <p:cBhvr>
+                                        <p:cTn id="31" dur="1" fill="hold">
+                                          <p:stCondLst>
+                                            <p:cond delay="0"/>
+                                          </p:stCondLst>
+                                        </p:cTn>
+                                        <p:tgtEl>
+                                          <p:spTgt spid="3">
+                                            <p:txEl>
+                                              <p:pRg st="5" end="5"/>
+                                            </p:txEl>
+                                          </p:spTgt>
+                                        </p:tgtEl>
+                                        <p:attrNameLst>
+                                          <p:attrName>style.visibility</p:attrName>
+                                        </p:attrNameLst>
+                                      </p:cBhvr>
+                                      <p:to>
+                                        <p:strVal val="visible"/>
+                                      </p:to>
+                                    </p:set>
+                                    <p:animEffect transition="in" filter="fade">
+                                      <p:cBhvr>
+                                        <p:cTn id="32" dur="200"/>
+                                        <p:tgtEl>
+                                          <p:spTgt spid="3">
+                                            <p:txEl>
+                                              <p:pRg st="5" end="5"/>
+                                            </p:txEl>
+                                          </p:spTgt>
+                                        </p:tgtEl>
+                                      </p:cBhvr>
+                                    </p:animEffect>
+                                  </p:childTnLst>
+                                </p:cTn>
+                              </p:par>
+                            </p:childTnLst>
+                          </p:cTn>
+                        </p:par>
+                      </p:childTnLst>
+                    </p:cTn>
+                  </p:par>
+                </p:childTnLst>
+              </p:cTn>
+              <p:prevCondLst>
+                <p:cond evt="onPrev" delay="0">
+                  <p:tgtEl>
+                    <p:sldTgt/>
+                  </p:tgtEl>
+                </p:cond>
+              </p:prevCondLst>
+              <p:nextCondLst>
+                <p:cond evt="onNext" delay="0">
+                  <p:tgtEl>
+                    <p:sldTgt/>
+                  </p:tgtEl>
+                </p:cond>
+              </p:nextCondLst>
+            </p:seq>
+          </p:childTnLst>
+        </p:cTn>
+      </p:par>
+    </p:tnLst>
+    <p:bldLst>
+      <p:bldP spid="3" grpId="0" build="p" bldLvl="2"/>
+    </p:bldLst>
+  </p:timing>
+</p:sld>
+</file>
+
 <file path=ppt/slides/slide2.xml><?xml version="1.0" encoding="utf-8"?>
 <p:sld xmlns:a="http://schemas.openxmlformats.org/drawingml/2006/main" xmlns:r="http://schemas.openxmlformats.org/officeDocument/2006/relationships" xmlns:p="http://schemas.openxmlformats.org/presentationml/2006/main">
   <p:cSld>
@@ -4414,21 +6052,6 @@
             <a:r>
               <a:rPr lang="en-CH" dirty="0"/>
               <a:t> TFT, but only defects after if the adversary defects 2+ times in a row.</a:t>
-            </a:r>
-          </a:p>
-          <a:p>
-            <a:pPr>
-              <a:lnSpc>
-                <a:spcPct val="150000"/>
-              </a:lnSpc>
-            </a:pPr>
-            <a:r>
-              <a:rPr lang="en-CH" b="1" dirty="0"/>
-              <a:t>Pavlov (P):</a:t>
-            </a:r>
-            <a:r>
-              <a:rPr lang="en-CH" dirty="0"/>
-              <a:t> Starts with cooperate. If adversary cooperates, repeat last action, even if it was a mistake. If adversary defects, perform opposite action, even if it was a mistake.</a:t>
             </a:r>
             <a:endParaRPr lang="en-CH" b="1" dirty="0"/>
           </a:p>
@@ -5299,4 +6922,299 @@
     </a:ext>
   </a:extLst>
 </a:theme>
+</file>
+
+<file path=ppt/theme/theme2.xml><?xml version="1.0" encoding="utf-8"?>
+<a:theme xmlns:a="http://schemas.openxmlformats.org/drawingml/2006/main" name="Office Theme">
+  <a:themeElements>
+    <a:clrScheme name="Office">
+      <a:dk1>
+        <a:sysClr val="windowText" lastClr="000000"/>
+      </a:dk1>
+      <a:lt1>
+        <a:sysClr val="window" lastClr="FFFFFF"/>
+      </a:lt1>
+      <a:dk2>
+        <a:srgbClr val="44546A"/>
+      </a:dk2>
+      <a:lt2>
+        <a:srgbClr val="E7E6E6"/>
+      </a:lt2>
+      <a:accent1>
+        <a:srgbClr val="4472C4"/>
+      </a:accent1>
+      <a:accent2>
+        <a:srgbClr val="ED7D31"/>
+      </a:accent2>
+      <a:accent3>
+        <a:srgbClr val="A5A5A5"/>
+      </a:accent3>
+      <a:accent4>
+        <a:srgbClr val="FFC000"/>
+      </a:accent4>
+      <a:accent5>
+        <a:srgbClr val="5B9BD5"/>
+      </a:accent5>
+      <a:accent6>
+        <a:srgbClr val="70AD47"/>
+      </a:accent6>
+      <a:hlink>
+        <a:srgbClr val="0563C1"/>
+      </a:hlink>
+      <a:folHlink>
+        <a:srgbClr val="954F72"/>
+      </a:folHlink>
+    </a:clrScheme>
+    <a:fontScheme name="Office">
+      <a:majorFont>
+        <a:latin typeface="Calibri Light" panose="020F0302020204030204"/>
+        <a:ea typeface=""/>
+        <a:cs typeface=""/>
+        <a:font script="Jpan" typeface="游ゴシック Light"/>
+        <a:font script="Hang" typeface="맑은 고딕"/>
+        <a:font script="Hans" typeface="等线 Light"/>
+        <a:font script="Hant" typeface="新細明體"/>
+        <a:font script="Arab" typeface="Times New Roman"/>
+        <a:font script="Hebr" typeface="Times New Roman"/>
+        <a:font script="Thai" typeface="Angsana New"/>
+        <a:font script="Ethi" typeface="Nyala"/>
+        <a:font script="Beng" typeface="Vrinda"/>
+        <a:font script="Gujr" typeface="Shruti"/>
+        <a:font script="Khmr" typeface="MoolBoran"/>
+        <a:font script="Knda" typeface="Tunga"/>
+        <a:font script="Guru" typeface="Raavi"/>
+        <a:font script="Cans" typeface="Euphemia"/>
+        <a:font script="Cher" typeface="Plantagenet Cherokee"/>
+        <a:font script="Yiii" typeface="Microsoft Yi Baiti"/>
+        <a:font script="Tibt" typeface="Microsoft Himalaya"/>
+        <a:font script="Thaa" typeface="MV Boli"/>
+        <a:font script="Deva" typeface="Mangal"/>
+        <a:font script="Telu" typeface="Gautami"/>
+        <a:font script="Taml" typeface="Latha"/>
+        <a:font script="Syrc" typeface="Estrangelo Edessa"/>
+        <a:font script="Orya" typeface="Kalinga"/>
+        <a:font script="Mlym" typeface="Kartika"/>
+        <a:font script="Laoo" typeface="DokChampa"/>
+        <a:font script="Sinh" typeface="Iskoola Pota"/>
+        <a:font script="Mong" typeface="Mongolian Baiti"/>
+        <a:font script="Viet" typeface="Times New Roman"/>
+        <a:font script="Uigh" typeface="Microsoft Uighur"/>
+        <a:font script="Geor" typeface="Sylfaen"/>
+        <a:font script="Armn" typeface="Arial"/>
+        <a:font script="Bugi" typeface="Leelawadee UI"/>
+        <a:font script="Bopo" typeface="Microsoft JhengHei"/>
+        <a:font script="Java" typeface="Javanese Text"/>
+        <a:font script="Lisu" typeface="Segoe UI"/>
+        <a:font script="Mymr" typeface="Myanmar Text"/>
+        <a:font script="Nkoo" typeface="Ebrima"/>
+        <a:font script="Olck" typeface="Nirmala UI"/>
+        <a:font script="Osma" typeface="Ebrima"/>
+        <a:font script="Phag" typeface="Phagspa"/>
+        <a:font script="Syrn" typeface="Estrangelo Edessa"/>
+        <a:font script="Syrj" typeface="Estrangelo Edessa"/>
+        <a:font script="Syre" typeface="Estrangelo Edessa"/>
+        <a:font script="Sora" typeface="Nirmala UI"/>
+        <a:font script="Tale" typeface="Microsoft Tai Le"/>
+        <a:font script="Talu" typeface="Microsoft New Tai Lue"/>
+        <a:font script="Tfng" typeface="Ebrima"/>
+      </a:majorFont>
+      <a:minorFont>
+        <a:latin typeface="Calibri" panose="020F0502020204030204"/>
+        <a:ea typeface=""/>
+        <a:cs typeface=""/>
+        <a:font script="Jpan" typeface="游ゴシック"/>
+        <a:font script="Hang" typeface="맑은 고딕"/>
+        <a:font script="Hans" typeface="等线"/>
+        <a:font script="Hant" typeface="新細明體"/>
+        <a:font script="Arab" typeface="Arial"/>
+        <a:font script="Hebr" typeface="Arial"/>
+        <a:font script="Thai" typeface="Cordia New"/>
+        <a:font script="Ethi" typeface="Nyala"/>
+        <a:font script="Beng" typeface="Vrinda"/>
+        <a:font script="Gujr" typeface="Shruti"/>
+        <a:font script="Khmr" typeface="DaunPenh"/>
+        <a:font script="Knda" typeface="Tunga"/>
+        <a:font script="Guru" typeface="Raavi"/>
+        <a:font script="Cans" typeface="Euphemia"/>
+        <a:font script="Cher" typeface="Plantagenet Cherokee"/>
+        <a:font script="Yiii" typeface="Microsoft Yi Baiti"/>
+        <a:font script="Tibt" typeface="Microsoft Himalaya"/>
+        <a:font script="Thaa" typeface="MV Boli"/>
+        <a:font script="Deva" typeface="Mangal"/>
+        <a:font script="Telu" typeface="Gautami"/>
+        <a:font script="Taml" typeface="Latha"/>
+        <a:font script="Syrc" typeface="Estrangelo Edessa"/>
+        <a:font script="Orya" typeface="Kalinga"/>
+        <a:font script="Mlym" typeface="Kartika"/>
+        <a:font script="Laoo" typeface="DokChampa"/>
+        <a:font script="Sinh" typeface="Iskoola Pota"/>
+        <a:font script="Mong" typeface="Mongolian Baiti"/>
+        <a:font script="Viet" typeface="Arial"/>
+        <a:font script="Uigh" typeface="Microsoft Uighur"/>
+        <a:font script="Geor" typeface="Sylfaen"/>
+        <a:font script="Armn" typeface="Arial"/>
+        <a:font script="Bugi" typeface="Leelawadee UI"/>
+        <a:font script="Bopo" typeface="Microsoft JhengHei"/>
+        <a:font script="Java" typeface="Javanese Text"/>
+        <a:font script="Lisu" typeface="Segoe UI"/>
+        <a:font script="Mymr" typeface="Myanmar Text"/>
+        <a:font script="Nkoo" typeface="Ebrima"/>
+        <a:font script="Olck" typeface="Nirmala UI"/>
+        <a:font script="Osma" typeface="Ebrima"/>
+        <a:font script="Phag" typeface="Phagspa"/>
+        <a:font script="Syrn" typeface="Estrangelo Edessa"/>
+        <a:font script="Syrj" typeface="Estrangelo Edessa"/>
+        <a:font script="Syre" typeface="Estrangelo Edessa"/>
+        <a:font script="Sora" typeface="Nirmala UI"/>
+        <a:font script="Tale" typeface="Microsoft Tai Le"/>
+        <a:font script="Talu" typeface="Microsoft New Tai Lue"/>
+        <a:font script="Tfng" typeface="Ebrima"/>
+      </a:minorFont>
+    </a:fontScheme>
+    <a:fmtScheme name="Office">
+      <a:fillStyleLst>
+        <a:solidFill>
+          <a:schemeClr val="phClr"/>
+        </a:solidFill>
+        <a:gradFill rotWithShape="1">
+          <a:gsLst>
+            <a:gs pos="0">
+              <a:schemeClr val="phClr">
+                <a:lumMod val="110000"/>
+                <a:satMod val="105000"/>
+                <a:tint val="67000"/>
+              </a:schemeClr>
+            </a:gs>
+            <a:gs pos="50000">
+              <a:schemeClr val="phClr">
+                <a:lumMod val="105000"/>
+                <a:satMod val="103000"/>
+                <a:tint val="73000"/>
+              </a:schemeClr>
+            </a:gs>
+            <a:gs pos="100000">
+              <a:schemeClr val="phClr">
+                <a:lumMod val="105000"/>
+                <a:satMod val="109000"/>
+                <a:tint val="81000"/>
+              </a:schemeClr>
+            </a:gs>
+          </a:gsLst>
+          <a:lin ang="5400000" scaled="0"/>
+        </a:gradFill>
+        <a:gradFill rotWithShape="1">
+          <a:gsLst>
+            <a:gs pos="0">
+              <a:schemeClr val="phClr">
+                <a:satMod val="103000"/>
+                <a:lumMod val="102000"/>
+                <a:tint val="94000"/>
+              </a:schemeClr>
+            </a:gs>
+            <a:gs pos="50000">
+              <a:schemeClr val="phClr">
+                <a:satMod val="110000"/>
+                <a:lumMod val="100000"/>
+                <a:shade val="100000"/>
+              </a:schemeClr>
+            </a:gs>
+            <a:gs pos="100000">
+              <a:schemeClr val="phClr">
+                <a:lumMod val="99000"/>
+                <a:satMod val="120000"/>
+                <a:shade val="78000"/>
+              </a:schemeClr>
+            </a:gs>
+          </a:gsLst>
+          <a:lin ang="5400000" scaled="0"/>
+        </a:gradFill>
+      </a:fillStyleLst>
+      <a:lnStyleLst>
+        <a:ln w="6350" cap="flat" cmpd="sng" algn="ctr">
+          <a:solidFill>
+            <a:schemeClr val="phClr"/>
+          </a:solidFill>
+          <a:prstDash val="solid"/>
+          <a:miter lim="800000"/>
+        </a:ln>
+        <a:ln w="12700" cap="flat" cmpd="sng" algn="ctr">
+          <a:solidFill>
+            <a:schemeClr val="phClr"/>
+          </a:solidFill>
+          <a:prstDash val="solid"/>
+          <a:miter lim="800000"/>
+        </a:ln>
+        <a:ln w="19050" cap="flat" cmpd="sng" algn="ctr">
+          <a:solidFill>
+            <a:schemeClr val="phClr"/>
+          </a:solidFill>
+          <a:prstDash val="solid"/>
+          <a:miter lim="800000"/>
+        </a:ln>
+      </a:lnStyleLst>
+      <a:effectStyleLst>
+        <a:effectStyle>
+          <a:effectLst/>
+        </a:effectStyle>
+        <a:effectStyle>
+          <a:effectLst/>
+        </a:effectStyle>
+        <a:effectStyle>
+          <a:effectLst>
+            <a:outerShdw blurRad="57150" dist="19050" dir="5400000" algn="ctr" rotWithShape="0">
+              <a:srgbClr val="000000">
+                <a:alpha val="63000"/>
+              </a:srgbClr>
+            </a:outerShdw>
+          </a:effectLst>
+        </a:effectStyle>
+      </a:effectStyleLst>
+      <a:bgFillStyleLst>
+        <a:solidFill>
+          <a:schemeClr val="phClr"/>
+        </a:solidFill>
+        <a:solidFill>
+          <a:schemeClr val="phClr">
+            <a:tint val="95000"/>
+            <a:satMod val="170000"/>
+          </a:schemeClr>
+        </a:solidFill>
+        <a:gradFill rotWithShape="1">
+          <a:gsLst>
+            <a:gs pos="0">
+              <a:schemeClr val="phClr">
+                <a:tint val="93000"/>
+                <a:satMod val="150000"/>
+                <a:shade val="98000"/>
+                <a:lumMod val="102000"/>
+              </a:schemeClr>
+            </a:gs>
+            <a:gs pos="50000">
+              <a:schemeClr val="phClr">
+                <a:tint val="98000"/>
+                <a:satMod val="130000"/>
+                <a:shade val="90000"/>
+                <a:lumMod val="103000"/>
+              </a:schemeClr>
+            </a:gs>
+            <a:gs pos="100000">
+              <a:schemeClr val="phClr">
+                <a:shade val="63000"/>
+                <a:satMod val="120000"/>
+              </a:schemeClr>
+            </a:gs>
+          </a:gsLst>
+          <a:lin ang="5400000" scaled="0"/>
+        </a:gradFill>
+      </a:bgFillStyleLst>
+    </a:fmtScheme>
+  </a:themeElements>
+  <a:objectDefaults/>
+  <a:extraClrSchemeLst/>
+  <a:extLst>
+    <a:ext uri="{05A4C25C-085E-4340-85A3-A5531E510DB2}">
+      <thm15:themeFamily xmlns:thm15="http://schemas.microsoft.com/office/thememl/2012/main" name="Office Theme" id="{62F939B6-93AF-4DB8-9C6B-D6C7DFDC589F}" vid="{4A3C46E8-61CC-4603-A589-7422A47A8E4A}"/>
+    </a:ext>
+  </a:extLst>
+</a:theme>
 </file>